--- a/ppt 16-9/0704.我只仰望于主.pptx
+++ b/ppt 16-9/0704.我只仰望于主.pptx
@@ -5,7 +5,7 @@
     <p:sldMasterId id="2147483648" r:id="rId1"/>
   </p:sldMasterIdLst>
   <p:sldIdLst>
-    <p:sldId id="1927" r:id="rId2"/>
+    <p:sldId id="1928" r:id="rId2"/>
   </p:sldIdLst>
   <p:sldSz cx="12192000" cy="6858000"/>
   <p:notesSz cx="6858000" cy="9144000"/>
@@ -129,7 +129,7 @@
           <p:cNvPr id="2" name="标题 1">
             <a:extLst>
               <a:ext uri="{FF2B5EF4-FFF2-40B4-BE49-F238E27FC236}">
-                <a16:creationId xmlns:a16="http://schemas.microsoft.com/office/drawing/2014/main" id="{12A1777E-95AD-41FE-AEAC-6C6B4B2BE03D}"/>
+                <a16:creationId xmlns:a16="http://schemas.microsoft.com/office/drawing/2014/main" id="{EBB1326A-CE0D-2B61-0543-AE5335A035FF}"/>
               </a:ext>
             </a:extLst>
           </p:cNvPr>
@@ -166,7 +166,7 @@
           <p:cNvPr id="3" name="副标题 2">
             <a:extLst>
               <a:ext uri="{FF2B5EF4-FFF2-40B4-BE49-F238E27FC236}">
-                <a16:creationId xmlns:a16="http://schemas.microsoft.com/office/drawing/2014/main" id="{F5C8891B-322C-3A30-2B27-8C6C8EA25142}"/>
+                <a16:creationId xmlns:a16="http://schemas.microsoft.com/office/drawing/2014/main" id="{0A87A992-9C34-D443-2E5B-6AE0B68394E0}"/>
               </a:ext>
             </a:extLst>
           </p:cNvPr>
@@ -236,7 +236,7 @@
           <p:cNvPr id="4" name="日期占位符 3">
             <a:extLst>
               <a:ext uri="{FF2B5EF4-FFF2-40B4-BE49-F238E27FC236}">
-                <a16:creationId xmlns:a16="http://schemas.microsoft.com/office/drawing/2014/main" id="{D371C195-D03A-17B3-68F0-3B5E4E41AF35}"/>
+                <a16:creationId xmlns:a16="http://schemas.microsoft.com/office/drawing/2014/main" id="{E44F06DB-D0AF-B244-26FC-46FD5477B426}"/>
               </a:ext>
             </a:extLst>
           </p:cNvPr>
@@ -252,7 +252,7 @@
           <a:bodyPr/>
           <a:lstStyle/>
           <a:p>
-            <a:fld id="{2B5DCF95-CA86-490F-8630-5AB99ACEB8EA}" type="datetimeFigureOut">
+            <a:fld id="{1D0E913C-1351-4149-9EFB-E8E9E33DC945}" type="datetimeFigureOut">
               <a:rPr lang="zh-CN" altLang="en-US" smtClean="0"/>
               <a:t>2024/3/10</a:t>
             </a:fld>
@@ -265,7 +265,7 @@
           <p:cNvPr id="5" name="页脚占位符 4">
             <a:extLst>
               <a:ext uri="{FF2B5EF4-FFF2-40B4-BE49-F238E27FC236}">
-                <a16:creationId xmlns:a16="http://schemas.microsoft.com/office/drawing/2014/main" id="{EE854C7E-A1ED-EE45-6A7F-A6F5FA53BB14}"/>
+                <a16:creationId xmlns:a16="http://schemas.microsoft.com/office/drawing/2014/main" id="{451E376B-2626-92BF-2BE0-8D65F0CC99F7}"/>
               </a:ext>
             </a:extLst>
           </p:cNvPr>
@@ -290,7 +290,7 @@
           <p:cNvPr id="6" name="灯片编号占位符 5">
             <a:extLst>
               <a:ext uri="{FF2B5EF4-FFF2-40B4-BE49-F238E27FC236}">
-                <a16:creationId xmlns:a16="http://schemas.microsoft.com/office/drawing/2014/main" id="{F0C2F55D-3AF2-7B8A-13D3-3FF80278984E}"/>
+                <a16:creationId xmlns:a16="http://schemas.microsoft.com/office/drawing/2014/main" id="{1CD04795-19C5-31D3-9565-D2D7BF907872}"/>
               </a:ext>
             </a:extLst>
           </p:cNvPr>
@@ -306,7 +306,7 @@
           <a:bodyPr/>
           <a:lstStyle/>
           <a:p>
-            <a:fld id="{8ABDFFDF-F860-4325-85D7-A33B86E9ECEF}" type="slidenum">
+            <a:fld id="{F4B461D0-7128-485F-872F-B5EC2261DDAD}" type="slidenum">
               <a:rPr lang="zh-CN" altLang="en-US" smtClean="0"/>
               <a:t>‹#›</a:t>
             </a:fld>
@@ -317,7 +317,7 @@
     </p:spTree>
     <p:extLst>
       <p:ext uri="{BB962C8B-B14F-4D97-AF65-F5344CB8AC3E}">
-        <p14:creationId xmlns:p14="http://schemas.microsoft.com/office/powerpoint/2010/main" val="2126230482"/>
+        <p14:creationId xmlns:p14="http://schemas.microsoft.com/office/powerpoint/2010/main" val="640973549"/>
       </p:ext>
     </p:extLst>
   </p:cSld>
@@ -349,7 +349,7 @@
           <p:cNvPr id="2" name="标题 1">
             <a:extLst>
               <a:ext uri="{FF2B5EF4-FFF2-40B4-BE49-F238E27FC236}">
-                <a16:creationId xmlns:a16="http://schemas.microsoft.com/office/drawing/2014/main" id="{BC06FE89-AB48-ACF8-08CE-17505E35A236}"/>
+                <a16:creationId xmlns:a16="http://schemas.microsoft.com/office/drawing/2014/main" id="{C37A0B2A-584F-62B8-B7A2-730D3A6349DD}"/>
               </a:ext>
             </a:extLst>
           </p:cNvPr>
@@ -377,7 +377,7 @@
           <p:cNvPr id="3" name="竖排文字占位符 2">
             <a:extLst>
               <a:ext uri="{FF2B5EF4-FFF2-40B4-BE49-F238E27FC236}">
-                <a16:creationId xmlns:a16="http://schemas.microsoft.com/office/drawing/2014/main" id="{D0DF83AE-FDAC-A558-CEE5-2F61E9EE2C7B}"/>
+                <a16:creationId xmlns:a16="http://schemas.microsoft.com/office/drawing/2014/main" id="{2ECA2A62-14D6-C5F3-643B-B5B560264E08}"/>
               </a:ext>
             </a:extLst>
           </p:cNvPr>
@@ -434,7 +434,7 @@
           <p:cNvPr id="4" name="日期占位符 3">
             <a:extLst>
               <a:ext uri="{FF2B5EF4-FFF2-40B4-BE49-F238E27FC236}">
-                <a16:creationId xmlns:a16="http://schemas.microsoft.com/office/drawing/2014/main" id="{341B1B20-111D-AC9C-86B2-269CC6EA3071}"/>
+                <a16:creationId xmlns:a16="http://schemas.microsoft.com/office/drawing/2014/main" id="{8B6CCF05-0A2B-3AA9-2074-5E3D7F83E39E}"/>
               </a:ext>
             </a:extLst>
           </p:cNvPr>
@@ -450,7 +450,7 @@
           <a:bodyPr/>
           <a:lstStyle/>
           <a:p>
-            <a:fld id="{2B5DCF95-CA86-490F-8630-5AB99ACEB8EA}" type="datetimeFigureOut">
+            <a:fld id="{1D0E913C-1351-4149-9EFB-E8E9E33DC945}" type="datetimeFigureOut">
               <a:rPr lang="zh-CN" altLang="en-US" smtClean="0"/>
               <a:t>2024/3/10</a:t>
             </a:fld>
@@ -463,7 +463,7 @@
           <p:cNvPr id="5" name="页脚占位符 4">
             <a:extLst>
               <a:ext uri="{FF2B5EF4-FFF2-40B4-BE49-F238E27FC236}">
-                <a16:creationId xmlns:a16="http://schemas.microsoft.com/office/drawing/2014/main" id="{AEF2A44B-1219-282F-9736-2AFD96BF9F0B}"/>
+                <a16:creationId xmlns:a16="http://schemas.microsoft.com/office/drawing/2014/main" id="{92F40333-494D-2C29-D018-7EAF33917846}"/>
               </a:ext>
             </a:extLst>
           </p:cNvPr>
@@ -488,7 +488,7 @@
           <p:cNvPr id="6" name="灯片编号占位符 5">
             <a:extLst>
               <a:ext uri="{FF2B5EF4-FFF2-40B4-BE49-F238E27FC236}">
-                <a16:creationId xmlns:a16="http://schemas.microsoft.com/office/drawing/2014/main" id="{7CEBFD9D-E099-7401-2BD8-6C9F54E1EADE}"/>
+                <a16:creationId xmlns:a16="http://schemas.microsoft.com/office/drawing/2014/main" id="{74062BB5-4717-F8A0-D0E9-7E46B53C0857}"/>
               </a:ext>
             </a:extLst>
           </p:cNvPr>
@@ -504,7 +504,7 @@
           <a:bodyPr/>
           <a:lstStyle/>
           <a:p>
-            <a:fld id="{8ABDFFDF-F860-4325-85D7-A33B86E9ECEF}" type="slidenum">
+            <a:fld id="{F4B461D0-7128-485F-872F-B5EC2261DDAD}" type="slidenum">
               <a:rPr lang="zh-CN" altLang="en-US" smtClean="0"/>
               <a:t>‹#›</a:t>
             </a:fld>
@@ -515,7 +515,7 @@
     </p:spTree>
     <p:extLst>
       <p:ext uri="{BB962C8B-B14F-4D97-AF65-F5344CB8AC3E}">
-        <p14:creationId xmlns:p14="http://schemas.microsoft.com/office/powerpoint/2010/main" val="2101391494"/>
+        <p14:creationId xmlns:p14="http://schemas.microsoft.com/office/powerpoint/2010/main" val="3184397504"/>
       </p:ext>
     </p:extLst>
   </p:cSld>
@@ -547,7 +547,7 @@
           <p:cNvPr id="2" name="竖排标题 1">
             <a:extLst>
               <a:ext uri="{FF2B5EF4-FFF2-40B4-BE49-F238E27FC236}">
-                <a16:creationId xmlns:a16="http://schemas.microsoft.com/office/drawing/2014/main" id="{6DFE398C-ACCD-0B58-0522-B3A5264EB336}"/>
+                <a16:creationId xmlns:a16="http://schemas.microsoft.com/office/drawing/2014/main" id="{8E7A9B95-0B80-C5CB-D487-819A10F505EF}"/>
               </a:ext>
             </a:extLst>
           </p:cNvPr>
@@ -580,7 +580,7 @@
           <p:cNvPr id="3" name="竖排文字占位符 2">
             <a:extLst>
               <a:ext uri="{FF2B5EF4-FFF2-40B4-BE49-F238E27FC236}">
-                <a16:creationId xmlns:a16="http://schemas.microsoft.com/office/drawing/2014/main" id="{B093225F-F183-7258-2CB2-6D29F2F457ED}"/>
+                <a16:creationId xmlns:a16="http://schemas.microsoft.com/office/drawing/2014/main" id="{837B9385-6590-A9C8-6B6B-70E9E9358BE1}"/>
               </a:ext>
             </a:extLst>
           </p:cNvPr>
@@ -642,7 +642,7 @@
           <p:cNvPr id="4" name="日期占位符 3">
             <a:extLst>
               <a:ext uri="{FF2B5EF4-FFF2-40B4-BE49-F238E27FC236}">
-                <a16:creationId xmlns:a16="http://schemas.microsoft.com/office/drawing/2014/main" id="{DFDBAB0B-D02D-26E8-DA11-FF70CD806298}"/>
+                <a16:creationId xmlns:a16="http://schemas.microsoft.com/office/drawing/2014/main" id="{AFE8F1DD-75CC-E606-59F9-E8990BFB669F}"/>
               </a:ext>
             </a:extLst>
           </p:cNvPr>
@@ -658,7 +658,7 @@
           <a:bodyPr/>
           <a:lstStyle/>
           <a:p>
-            <a:fld id="{2B5DCF95-CA86-490F-8630-5AB99ACEB8EA}" type="datetimeFigureOut">
+            <a:fld id="{1D0E913C-1351-4149-9EFB-E8E9E33DC945}" type="datetimeFigureOut">
               <a:rPr lang="zh-CN" altLang="en-US" smtClean="0"/>
               <a:t>2024/3/10</a:t>
             </a:fld>
@@ -671,7 +671,7 @@
           <p:cNvPr id="5" name="页脚占位符 4">
             <a:extLst>
               <a:ext uri="{FF2B5EF4-FFF2-40B4-BE49-F238E27FC236}">
-                <a16:creationId xmlns:a16="http://schemas.microsoft.com/office/drawing/2014/main" id="{2F834955-AB81-C2DB-D4B6-56B7B54C5532}"/>
+                <a16:creationId xmlns:a16="http://schemas.microsoft.com/office/drawing/2014/main" id="{B40DD0BA-819C-6253-9C6B-7303F1A3B9D2}"/>
               </a:ext>
             </a:extLst>
           </p:cNvPr>
@@ -696,7 +696,7 @@
           <p:cNvPr id="6" name="灯片编号占位符 5">
             <a:extLst>
               <a:ext uri="{FF2B5EF4-FFF2-40B4-BE49-F238E27FC236}">
-                <a16:creationId xmlns:a16="http://schemas.microsoft.com/office/drawing/2014/main" id="{9B3E8C4C-2BF3-40A4-0DE2-0791AEDDA538}"/>
+                <a16:creationId xmlns:a16="http://schemas.microsoft.com/office/drawing/2014/main" id="{70D7133C-7468-8C25-FCA8-D5A9FFF4E626}"/>
               </a:ext>
             </a:extLst>
           </p:cNvPr>
@@ -712,7 +712,7 @@
           <a:bodyPr/>
           <a:lstStyle/>
           <a:p>
-            <a:fld id="{8ABDFFDF-F860-4325-85D7-A33B86E9ECEF}" type="slidenum">
+            <a:fld id="{F4B461D0-7128-485F-872F-B5EC2261DDAD}" type="slidenum">
               <a:rPr lang="zh-CN" altLang="en-US" smtClean="0"/>
               <a:t>‹#›</a:t>
             </a:fld>
@@ -723,7 +723,7 @@
     </p:spTree>
     <p:extLst>
       <p:ext uri="{BB962C8B-B14F-4D97-AF65-F5344CB8AC3E}">
-        <p14:creationId xmlns:p14="http://schemas.microsoft.com/office/powerpoint/2010/main" val="172614672"/>
+        <p14:creationId xmlns:p14="http://schemas.microsoft.com/office/powerpoint/2010/main" val="3105201595"/>
       </p:ext>
     </p:extLst>
   </p:cSld>
@@ -755,7 +755,7 @@
           <p:cNvPr id="2" name="标题 1">
             <a:extLst>
               <a:ext uri="{FF2B5EF4-FFF2-40B4-BE49-F238E27FC236}">
-                <a16:creationId xmlns:a16="http://schemas.microsoft.com/office/drawing/2014/main" id="{88903AE0-2E19-DA10-CFAB-A210C98EBBA7}"/>
+                <a16:creationId xmlns:a16="http://schemas.microsoft.com/office/drawing/2014/main" id="{3AC16A0F-4B23-B197-8C63-5596089BAB1F}"/>
               </a:ext>
             </a:extLst>
           </p:cNvPr>
@@ -783,7 +783,7 @@
           <p:cNvPr id="3" name="内容占位符 2">
             <a:extLst>
               <a:ext uri="{FF2B5EF4-FFF2-40B4-BE49-F238E27FC236}">
-                <a16:creationId xmlns:a16="http://schemas.microsoft.com/office/drawing/2014/main" id="{A608FB5F-7206-1250-41F2-5ABCEC559818}"/>
+                <a16:creationId xmlns:a16="http://schemas.microsoft.com/office/drawing/2014/main" id="{3A8C4E1F-9CD3-61D6-5963-24C028D96C3C}"/>
               </a:ext>
             </a:extLst>
           </p:cNvPr>
@@ -840,7 +840,7 @@
           <p:cNvPr id="4" name="日期占位符 3">
             <a:extLst>
               <a:ext uri="{FF2B5EF4-FFF2-40B4-BE49-F238E27FC236}">
-                <a16:creationId xmlns:a16="http://schemas.microsoft.com/office/drawing/2014/main" id="{28C2CB29-4935-6941-5FCF-F0BC03CE28B1}"/>
+                <a16:creationId xmlns:a16="http://schemas.microsoft.com/office/drawing/2014/main" id="{8C3BDCAD-4CEE-E196-03FA-E237EE66F378}"/>
               </a:ext>
             </a:extLst>
           </p:cNvPr>
@@ -856,7 +856,7 @@
           <a:bodyPr/>
           <a:lstStyle/>
           <a:p>
-            <a:fld id="{2B5DCF95-CA86-490F-8630-5AB99ACEB8EA}" type="datetimeFigureOut">
+            <a:fld id="{1D0E913C-1351-4149-9EFB-E8E9E33DC945}" type="datetimeFigureOut">
               <a:rPr lang="zh-CN" altLang="en-US" smtClean="0"/>
               <a:t>2024/3/10</a:t>
             </a:fld>
@@ -869,7 +869,7 @@
           <p:cNvPr id="5" name="页脚占位符 4">
             <a:extLst>
               <a:ext uri="{FF2B5EF4-FFF2-40B4-BE49-F238E27FC236}">
-                <a16:creationId xmlns:a16="http://schemas.microsoft.com/office/drawing/2014/main" id="{729E3657-5320-E1C8-0BCF-0EF918DFA46A}"/>
+                <a16:creationId xmlns:a16="http://schemas.microsoft.com/office/drawing/2014/main" id="{71336B08-9FEA-C406-D93C-B9A01C656DDA}"/>
               </a:ext>
             </a:extLst>
           </p:cNvPr>
@@ -894,7 +894,7 @@
           <p:cNvPr id="6" name="灯片编号占位符 5">
             <a:extLst>
               <a:ext uri="{FF2B5EF4-FFF2-40B4-BE49-F238E27FC236}">
-                <a16:creationId xmlns:a16="http://schemas.microsoft.com/office/drawing/2014/main" id="{EE17BA5A-9EAE-A989-B89B-5D26443C5B5A}"/>
+                <a16:creationId xmlns:a16="http://schemas.microsoft.com/office/drawing/2014/main" id="{2D64BF36-BF78-24DD-704D-BDC031359B75}"/>
               </a:ext>
             </a:extLst>
           </p:cNvPr>
@@ -910,7 +910,7 @@
           <a:bodyPr/>
           <a:lstStyle/>
           <a:p>
-            <a:fld id="{8ABDFFDF-F860-4325-85D7-A33B86E9ECEF}" type="slidenum">
+            <a:fld id="{F4B461D0-7128-485F-872F-B5EC2261DDAD}" type="slidenum">
               <a:rPr lang="zh-CN" altLang="en-US" smtClean="0"/>
               <a:t>‹#›</a:t>
             </a:fld>
@@ -921,7 +921,7 @@
     </p:spTree>
     <p:extLst>
       <p:ext uri="{BB962C8B-B14F-4D97-AF65-F5344CB8AC3E}">
-        <p14:creationId xmlns:p14="http://schemas.microsoft.com/office/powerpoint/2010/main" val="540913351"/>
+        <p14:creationId xmlns:p14="http://schemas.microsoft.com/office/powerpoint/2010/main" val="761455388"/>
       </p:ext>
     </p:extLst>
   </p:cSld>
@@ -953,7 +953,7 @@
           <p:cNvPr id="2" name="标题 1">
             <a:extLst>
               <a:ext uri="{FF2B5EF4-FFF2-40B4-BE49-F238E27FC236}">
-                <a16:creationId xmlns:a16="http://schemas.microsoft.com/office/drawing/2014/main" id="{A5297B1D-4F2C-07EF-DD11-27ACB3F12BFD}"/>
+                <a16:creationId xmlns:a16="http://schemas.microsoft.com/office/drawing/2014/main" id="{DA8E6F6F-BB13-92B8-4BEA-9BAB49043598}"/>
               </a:ext>
             </a:extLst>
           </p:cNvPr>
@@ -990,7 +990,7 @@
           <p:cNvPr id="3" name="文本占位符 2">
             <a:extLst>
               <a:ext uri="{FF2B5EF4-FFF2-40B4-BE49-F238E27FC236}">
-                <a16:creationId xmlns:a16="http://schemas.microsoft.com/office/drawing/2014/main" id="{7CD79954-8BFE-865F-3954-4E6C3F6324BA}"/>
+                <a16:creationId xmlns:a16="http://schemas.microsoft.com/office/drawing/2014/main" id="{C775D03E-9FAD-0992-8D75-123AF3D9E35F}"/>
               </a:ext>
             </a:extLst>
           </p:cNvPr>
@@ -1115,7 +1115,7 @@
           <p:cNvPr id="4" name="日期占位符 3">
             <a:extLst>
               <a:ext uri="{FF2B5EF4-FFF2-40B4-BE49-F238E27FC236}">
-                <a16:creationId xmlns:a16="http://schemas.microsoft.com/office/drawing/2014/main" id="{721666E9-8F18-D77C-D327-3A68386FB139}"/>
+                <a16:creationId xmlns:a16="http://schemas.microsoft.com/office/drawing/2014/main" id="{CD078E5F-1B38-6707-E3BB-02046F30FC0D}"/>
               </a:ext>
             </a:extLst>
           </p:cNvPr>
@@ -1131,7 +1131,7 @@
           <a:bodyPr/>
           <a:lstStyle/>
           <a:p>
-            <a:fld id="{2B5DCF95-CA86-490F-8630-5AB99ACEB8EA}" type="datetimeFigureOut">
+            <a:fld id="{1D0E913C-1351-4149-9EFB-E8E9E33DC945}" type="datetimeFigureOut">
               <a:rPr lang="zh-CN" altLang="en-US" smtClean="0"/>
               <a:t>2024/3/10</a:t>
             </a:fld>
@@ -1144,7 +1144,7 @@
           <p:cNvPr id="5" name="页脚占位符 4">
             <a:extLst>
               <a:ext uri="{FF2B5EF4-FFF2-40B4-BE49-F238E27FC236}">
-                <a16:creationId xmlns:a16="http://schemas.microsoft.com/office/drawing/2014/main" id="{B063EFF2-5777-3351-F7AD-469C9053495C}"/>
+                <a16:creationId xmlns:a16="http://schemas.microsoft.com/office/drawing/2014/main" id="{9DCF58E1-0E50-604A-22F0-03CB27CEFBF9}"/>
               </a:ext>
             </a:extLst>
           </p:cNvPr>
@@ -1169,7 +1169,7 @@
           <p:cNvPr id="6" name="灯片编号占位符 5">
             <a:extLst>
               <a:ext uri="{FF2B5EF4-FFF2-40B4-BE49-F238E27FC236}">
-                <a16:creationId xmlns:a16="http://schemas.microsoft.com/office/drawing/2014/main" id="{A9744D71-E7CE-11AB-9C31-457327D7E40E}"/>
+                <a16:creationId xmlns:a16="http://schemas.microsoft.com/office/drawing/2014/main" id="{FFD69939-669D-36B7-B137-A6A760A9F695}"/>
               </a:ext>
             </a:extLst>
           </p:cNvPr>
@@ -1185,7 +1185,7 @@
           <a:bodyPr/>
           <a:lstStyle/>
           <a:p>
-            <a:fld id="{8ABDFFDF-F860-4325-85D7-A33B86E9ECEF}" type="slidenum">
+            <a:fld id="{F4B461D0-7128-485F-872F-B5EC2261DDAD}" type="slidenum">
               <a:rPr lang="zh-CN" altLang="en-US" smtClean="0"/>
               <a:t>‹#›</a:t>
             </a:fld>
@@ -1196,7 +1196,7 @@
     </p:spTree>
     <p:extLst>
       <p:ext uri="{BB962C8B-B14F-4D97-AF65-F5344CB8AC3E}">
-        <p14:creationId xmlns:p14="http://schemas.microsoft.com/office/powerpoint/2010/main" val="461362213"/>
+        <p14:creationId xmlns:p14="http://schemas.microsoft.com/office/powerpoint/2010/main" val="1291505398"/>
       </p:ext>
     </p:extLst>
   </p:cSld>
@@ -1228,7 +1228,7 @@
           <p:cNvPr id="2" name="标题 1">
             <a:extLst>
               <a:ext uri="{FF2B5EF4-FFF2-40B4-BE49-F238E27FC236}">
-                <a16:creationId xmlns:a16="http://schemas.microsoft.com/office/drawing/2014/main" id="{B60AD382-1F10-90E0-AA04-898E713AC8D2}"/>
+                <a16:creationId xmlns:a16="http://schemas.microsoft.com/office/drawing/2014/main" id="{4B838429-048B-5E09-3941-A108A756841F}"/>
               </a:ext>
             </a:extLst>
           </p:cNvPr>
@@ -1256,7 +1256,7 @@
           <p:cNvPr id="3" name="内容占位符 2">
             <a:extLst>
               <a:ext uri="{FF2B5EF4-FFF2-40B4-BE49-F238E27FC236}">
-                <a16:creationId xmlns:a16="http://schemas.microsoft.com/office/drawing/2014/main" id="{5FA3FB16-5FF1-E589-A1A5-4E9B98E200A6}"/>
+                <a16:creationId xmlns:a16="http://schemas.microsoft.com/office/drawing/2014/main" id="{AA194023-5090-4FBB-6E7B-31855DAB76D3}"/>
               </a:ext>
             </a:extLst>
           </p:cNvPr>
@@ -1318,7 +1318,7 @@
           <p:cNvPr id="4" name="内容占位符 3">
             <a:extLst>
               <a:ext uri="{FF2B5EF4-FFF2-40B4-BE49-F238E27FC236}">
-                <a16:creationId xmlns:a16="http://schemas.microsoft.com/office/drawing/2014/main" id="{65F371A9-0CF7-A62A-CD96-6B92755553C9}"/>
+                <a16:creationId xmlns:a16="http://schemas.microsoft.com/office/drawing/2014/main" id="{C93107FA-51A3-0441-0CFB-C70D13439DB1}"/>
               </a:ext>
             </a:extLst>
           </p:cNvPr>
@@ -1380,7 +1380,7 @@
           <p:cNvPr id="5" name="日期占位符 4">
             <a:extLst>
               <a:ext uri="{FF2B5EF4-FFF2-40B4-BE49-F238E27FC236}">
-                <a16:creationId xmlns:a16="http://schemas.microsoft.com/office/drawing/2014/main" id="{C36A61A2-4F0C-2364-45E5-5A1AA88E77F0}"/>
+                <a16:creationId xmlns:a16="http://schemas.microsoft.com/office/drawing/2014/main" id="{67B5A654-36F0-BF82-6F50-D6686EEBAC94}"/>
               </a:ext>
             </a:extLst>
           </p:cNvPr>
@@ -1396,7 +1396,7 @@
           <a:bodyPr/>
           <a:lstStyle/>
           <a:p>
-            <a:fld id="{2B5DCF95-CA86-490F-8630-5AB99ACEB8EA}" type="datetimeFigureOut">
+            <a:fld id="{1D0E913C-1351-4149-9EFB-E8E9E33DC945}" type="datetimeFigureOut">
               <a:rPr lang="zh-CN" altLang="en-US" smtClean="0"/>
               <a:t>2024/3/10</a:t>
             </a:fld>
@@ -1409,7 +1409,7 @@
           <p:cNvPr id="6" name="页脚占位符 5">
             <a:extLst>
               <a:ext uri="{FF2B5EF4-FFF2-40B4-BE49-F238E27FC236}">
-                <a16:creationId xmlns:a16="http://schemas.microsoft.com/office/drawing/2014/main" id="{77527AB9-7BFD-D23E-0B0C-B370DB7A1768}"/>
+                <a16:creationId xmlns:a16="http://schemas.microsoft.com/office/drawing/2014/main" id="{0E6A4D6C-6F6E-E099-7597-EBC728701EC8}"/>
               </a:ext>
             </a:extLst>
           </p:cNvPr>
@@ -1434,7 +1434,7 @@
           <p:cNvPr id="7" name="灯片编号占位符 6">
             <a:extLst>
               <a:ext uri="{FF2B5EF4-FFF2-40B4-BE49-F238E27FC236}">
-                <a16:creationId xmlns:a16="http://schemas.microsoft.com/office/drawing/2014/main" id="{904A430F-D0CE-942C-C18B-2E813F9500A1}"/>
+                <a16:creationId xmlns:a16="http://schemas.microsoft.com/office/drawing/2014/main" id="{E9CCD560-451B-9224-FE1F-68F4DD7171DF}"/>
               </a:ext>
             </a:extLst>
           </p:cNvPr>
@@ -1450,7 +1450,7 @@
           <a:bodyPr/>
           <a:lstStyle/>
           <a:p>
-            <a:fld id="{8ABDFFDF-F860-4325-85D7-A33B86E9ECEF}" type="slidenum">
+            <a:fld id="{F4B461D0-7128-485F-872F-B5EC2261DDAD}" type="slidenum">
               <a:rPr lang="zh-CN" altLang="en-US" smtClean="0"/>
               <a:t>‹#›</a:t>
             </a:fld>
@@ -1461,7 +1461,7 @@
     </p:spTree>
     <p:extLst>
       <p:ext uri="{BB962C8B-B14F-4D97-AF65-F5344CB8AC3E}">
-        <p14:creationId xmlns:p14="http://schemas.microsoft.com/office/powerpoint/2010/main" val="2370496119"/>
+        <p14:creationId xmlns:p14="http://schemas.microsoft.com/office/powerpoint/2010/main" val="209427353"/>
       </p:ext>
     </p:extLst>
   </p:cSld>
@@ -1493,7 +1493,7 @@
           <p:cNvPr id="2" name="标题 1">
             <a:extLst>
               <a:ext uri="{FF2B5EF4-FFF2-40B4-BE49-F238E27FC236}">
-                <a16:creationId xmlns:a16="http://schemas.microsoft.com/office/drawing/2014/main" id="{F7AB32C0-40CD-D2E4-54FB-EDFE6D4B5AD7}"/>
+                <a16:creationId xmlns:a16="http://schemas.microsoft.com/office/drawing/2014/main" id="{44F90AA6-AB7C-94A5-4386-8EB808031005}"/>
               </a:ext>
             </a:extLst>
           </p:cNvPr>
@@ -1526,7 +1526,7 @@
           <p:cNvPr id="3" name="文本占位符 2">
             <a:extLst>
               <a:ext uri="{FF2B5EF4-FFF2-40B4-BE49-F238E27FC236}">
-                <a16:creationId xmlns:a16="http://schemas.microsoft.com/office/drawing/2014/main" id="{012FC3B4-029B-5913-B4D8-5632C0BCF78E}"/>
+                <a16:creationId xmlns:a16="http://schemas.microsoft.com/office/drawing/2014/main" id="{1A73BB1D-D2C6-7D39-12A7-53812CC1830C}"/>
               </a:ext>
             </a:extLst>
           </p:cNvPr>
@@ -1597,7 +1597,7 @@
           <p:cNvPr id="4" name="内容占位符 3">
             <a:extLst>
               <a:ext uri="{FF2B5EF4-FFF2-40B4-BE49-F238E27FC236}">
-                <a16:creationId xmlns:a16="http://schemas.microsoft.com/office/drawing/2014/main" id="{69BC1113-ACF5-57C4-EE2E-682B4AF7A0C9}"/>
+                <a16:creationId xmlns:a16="http://schemas.microsoft.com/office/drawing/2014/main" id="{0D310BCE-57E4-EC2A-CB31-54E5ED7E17D9}"/>
               </a:ext>
             </a:extLst>
           </p:cNvPr>
@@ -1659,7 +1659,7 @@
           <p:cNvPr id="5" name="文本占位符 4">
             <a:extLst>
               <a:ext uri="{FF2B5EF4-FFF2-40B4-BE49-F238E27FC236}">
-                <a16:creationId xmlns:a16="http://schemas.microsoft.com/office/drawing/2014/main" id="{5C3CEA32-1037-0439-CEFB-D0758B358A17}"/>
+                <a16:creationId xmlns:a16="http://schemas.microsoft.com/office/drawing/2014/main" id="{79CD6CD9-7277-0424-9815-ACA2D5FBDB1A}"/>
               </a:ext>
             </a:extLst>
           </p:cNvPr>
@@ -1730,7 +1730,7 @@
           <p:cNvPr id="6" name="内容占位符 5">
             <a:extLst>
               <a:ext uri="{FF2B5EF4-FFF2-40B4-BE49-F238E27FC236}">
-                <a16:creationId xmlns:a16="http://schemas.microsoft.com/office/drawing/2014/main" id="{913E368A-C2F0-7099-9DC5-293E6F6E2C11}"/>
+                <a16:creationId xmlns:a16="http://schemas.microsoft.com/office/drawing/2014/main" id="{FF1A7E37-3ED0-F4D6-B4C9-9E1B4512ECC9}"/>
               </a:ext>
             </a:extLst>
           </p:cNvPr>
@@ -1792,7 +1792,7 @@
           <p:cNvPr id="7" name="日期占位符 6">
             <a:extLst>
               <a:ext uri="{FF2B5EF4-FFF2-40B4-BE49-F238E27FC236}">
-                <a16:creationId xmlns:a16="http://schemas.microsoft.com/office/drawing/2014/main" id="{1F98ABC5-C082-1CFE-55B3-2D438C11FAD1}"/>
+                <a16:creationId xmlns:a16="http://schemas.microsoft.com/office/drawing/2014/main" id="{6CBD0E5B-F9FE-727B-D5BE-2E09BF878B84}"/>
               </a:ext>
             </a:extLst>
           </p:cNvPr>
@@ -1808,7 +1808,7 @@
           <a:bodyPr/>
           <a:lstStyle/>
           <a:p>
-            <a:fld id="{2B5DCF95-CA86-490F-8630-5AB99ACEB8EA}" type="datetimeFigureOut">
+            <a:fld id="{1D0E913C-1351-4149-9EFB-E8E9E33DC945}" type="datetimeFigureOut">
               <a:rPr lang="zh-CN" altLang="en-US" smtClean="0"/>
               <a:t>2024/3/10</a:t>
             </a:fld>
@@ -1821,7 +1821,7 @@
           <p:cNvPr id="8" name="页脚占位符 7">
             <a:extLst>
               <a:ext uri="{FF2B5EF4-FFF2-40B4-BE49-F238E27FC236}">
-                <a16:creationId xmlns:a16="http://schemas.microsoft.com/office/drawing/2014/main" id="{15C8B5B9-E227-BC6A-75E6-78645CC50FD6}"/>
+                <a16:creationId xmlns:a16="http://schemas.microsoft.com/office/drawing/2014/main" id="{24F6434D-79E8-8A6C-8EE9-C946F311DE7A}"/>
               </a:ext>
             </a:extLst>
           </p:cNvPr>
@@ -1846,7 +1846,7 @@
           <p:cNvPr id="9" name="灯片编号占位符 8">
             <a:extLst>
               <a:ext uri="{FF2B5EF4-FFF2-40B4-BE49-F238E27FC236}">
-                <a16:creationId xmlns:a16="http://schemas.microsoft.com/office/drawing/2014/main" id="{C52B18FC-E60E-575F-A1F9-F41F17F949AA}"/>
+                <a16:creationId xmlns:a16="http://schemas.microsoft.com/office/drawing/2014/main" id="{461F81CA-6058-6C7B-91EA-18B400D98F39}"/>
               </a:ext>
             </a:extLst>
           </p:cNvPr>
@@ -1862,7 +1862,7 @@
           <a:bodyPr/>
           <a:lstStyle/>
           <a:p>
-            <a:fld id="{8ABDFFDF-F860-4325-85D7-A33B86E9ECEF}" type="slidenum">
+            <a:fld id="{F4B461D0-7128-485F-872F-B5EC2261DDAD}" type="slidenum">
               <a:rPr lang="zh-CN" altLang="en-US" smtClean="0"/>
               <a:t>‹#›</a:t>
             </a:fld>
@@ -1873,7 +1873,7 @@
     </p:spTree>
     <p:extLst>
       <p:ext uri="{BB962C8B-B14F-4D97-AF65-F5344CB8AC3E}">
-        <p14:creationId xmlns:p14="http://schemas.microsoft.com/office/powerpoint/2010/main" val="1969946929"/>
+        <p14:creationId xmlns:p14="http://schemas.microsoft.com/office/powerpoint/2010/main" val="3723499289"/>
       </p:ext>
     </p:extLst>
   </p:cSld>
@@ -1905,7 +1905,7 @@
           <p:cNvPr id="2" name="标题 1">
             <a:extLst>
               <a:ext uri="{FF2B5EF4-FFF2-40B4-BE49-F238E27FC236}">
-                <a16:creationId xmlns:a16="http://schemas.microsoft.com/office/drawing/2014/main" id="{BD969621-393C-D2B8-2899-2F7652AB52CF}"/>
+                <a16:creationId xmlns:a16="http://schemas.microsoft.com/office/drawing/2014/main" id="{B1F1D7A6-626D-9B11-BA49-6140264BB8EF}"/>
               </a:ext>
             </a:extLst>
           </p:cNvPr>
@@ -1933,7 +1933,7 @@
           <p:cNvPr id="3" name="日期占位符 2">
             <a:extLst>
               <a:ext uri="{FF2B5EF4-FFF2-40B4-BE49-F238E27FC236}">
-                <a16:creationId xmlns:a16="http://schemas.microsoft.com/office/drawing/2014/main" id="{A2634B2D-5B6E-8C66-56FA-202FD67015C6}"/>
+                <a16:creationId xmlns:a16="http://schemas.microsoft.com/office/drawing/2014/main" id="{3818C2DD-1D15-4F6D-BF3D-D2CE4B20DEE8}"/>
               </a:ext>
             </a:extLst>
           </p:cNvPr>
@@ -1949,7 +1949,7 @@
           <a:bodyPr/>
           <a:lstStyle/>
           <a:p>
-            <a:fld id="{2B5DCF95-CA86-490F-8630-5AB99ACEB8EA}" type="datetimeFigureOut">
+            <a:fld id="{1D0E913C-1351-4149-9EFB-E8E9E33DC945}" type="datetimeFigureOut">
               <a:rPr lang="zh-CN" altLang="en-US" smtClean="0"/>
               <a:t>2024/3/10</a:t>
             </a:fld>
@@ -1962,7 +1962,7 @@
           <p:cNvPr id="4" name="页脚占位符 3">
             <a:extLst>
               <a:ext uri="{FF2B5EF4-FFF2-40B4-BE49-F238E27FC236}">
-                <a16:creationId xmlns:a16="http://schemas.microsoft.com/office/drawing/2014/main" id="{7F9C4866-BA09-DC32-75B4-B63C091BADCD}"/>
+                <a16:creationId xmlns:a16="http://schemas.microsoft.com/office/drawing/2014/main" id="{C7AEFE4C-FBE5-9C01-88E7-7D185FC2E878}"/>
               </a:ext>
             </a:extLst>
           </p:cNvPr>
@@ -1987,7 +1987,7 @@
           <p:cNvPr id="5" name="灯片编号占位符 4">
             <a:extLst>
               <a:ext uri="{FF2B5EF4-FFF2-40B4-BE49-F238E27FC236}">
-                <a16:creationId xmlns:a16="http://schemas.microsoft.com/office/drawing/2014/main" id="{9D5325CE-1E09-6700-A743-79729A803303}"/>
+                <a16:creationId xmlns:a16="http://schemas.microsoft.com/office/drawing/2014/main" id="{2D5A38BF-9375-333F-2270-39A17D448878}"/>
               </a:ext>
             </a:extLst>
           </p:cNvPr>
@@ -2003,7 +2003,7 @@
           <a:bodyPr/>
           <a:lstStyle/>
           <a:p>
-            <a:fld id="{8ABDFFDF-F860-4325-85D7-A33B86E9ECEF}" type="slidenum">
+            <a:fld id="{F4B461D0-7128-485F-872F-B5EC2261DDAD}" type="slidenum">
               <a:rPr lang="zh-CN" altLang="en-US" smtClean="0"/>
               <a:t>‹#›</a:t>
             </a:fld>
@@ -2014,7 +2014,7 @@
     </p:spTree>
     <p:extLst>
       <p:ext uri="{BB962C8B-B14F-4D97-AF65-F5344CB8AC3E}">
-        <p14:creationId xmlns:p14="http://schemas.microsoft.com/office/powerpoint/2010/main" val="2621362361"/>
+        <p14:creationId xmlns:p14="http://schemas.microsoft.com/office/powerpoint/2010/main" val="3691195280"/>
       </p:ext>
     </p:extLst>
   </p:cSld>
@@ -2046,7 +2046,7 @@
           <p:cNvPr id="2" name="日期占位符 1">
             <a:extLst>
               <a:ext uri="{FF2B5EF4-FFF2-40B4-BE49-F238E27FC236}">
-                <a16:creationId xmlns:a16="http://schemas.microsoft.com/office/drawing/2014/main" id="{97AA4E48-AD0B-0D0F-9BCD-A39158B566D3}"/>
+                <a16:creationId xmlns:a16="http://schemas.microsoft.com/office/drawing/2014/main" id="{DF3B2CFB-DB74-223C-C1F5-1B288ACE1FCB}"/>
               </a:ext>
             </a:extLst>
           </p:cNvPr>
@@ -2062,7 +2062,7 @@
           <a:bodyPr/>
           <a:lstStyle/>
           <a:p>
-            <a:fld id="{2B5DCF95-CA86-490F-8630-5AB99ACEB8EA}" type="datetimeFigureOut">
+            <a:fld id="{1D0E913C-1351-4149-9EFB-E8E9E33DC945}" type="datetimeFigureOut">
               <a:rPr lang="zh-CN" altLang="en-US" smtClean="0"/>
               <a:t>2024/3/10</a:t>
             </a:fld>
@@ -2075,7 +2075,7 @@
           <p:cNvPr id="3" name="页脚占位符 2">
             <a:extLst>
               <a:ext uri="{FF2B5EF4-FFF2-40B4-BE49-F238E27FC236}">
-                <a16:creationId xmlns:a16="http://schemas.microsoft.com/office/drawing/2014/main" id="{52B0B08C-6742-A0D3-07B5-F5DC30D58A94}"/>
+                <a16:creationId xmlns:a16="http://schemas.microsoft.com/office/drawing/2014/main" id="{B3DED41B-F0F3-BA2F-1052-5B339E191F28}"/>
               </a:ext>
             </a:extLst>
           </p:cNvPr>
@@ -2100,7 +2100,7 @@
           <p:cNvPr id="4" name="灯片编号占位符 3">
             <a:extLst>
               <a:ext uri="{FF2B5EF4-FFF2-40B4-BE49-F238E27FC236}">
-                <a16:creationId xmlns:a16="http://schemas.microsoft.com/office/drawing/2014/main" id="{24880D5F-2E10-56B0-996E-940D37359424}"/>
+                <a16:creationId xmlns:a16="http://schemas.microsoft.com/office/drawing/2014/main" id="{9DD8C444-00E2-8D99-AFBB-DA815EE05C6F}"/>
               </a:ext>
             </a:extLst>
           </p:cNvPr>
@@ -2116,7 +2116,7 @@
           <a:bodyPr/>
           <a:lstStyle/>
           <a:p>
-            <a:fld id="{8ABDFFDF-F860-4325-85D7-A33B86E9ECEF}" type="slidenum">
+            <a:fld id="{F4B461D0-7128-485F-872F-B5EC2261DDAD}" type="slidenum">
               <a:rPr lang="zh-CN" altLang="en-US" smtClean="0"/>
               <a:t>‹#›</a:t>
             </a:fld>
@@ -2127,7 +2127,7 @@
     </p:spTree>
     <p:extLst>
       <p:ext uri="{BB962C8B-B14F-4D97-AF65-F5344CB8AC3E}">
-        <p14:creationId xmlns:p14="http://schemas.microsoft.com/office/powerpoint/2010/main" val="3913292998"/>
+        <p14:creationId xmlns:p14="http://schemas.microsoft.com/office/powerpoint/2010/main" val="2381342715"/>
       </p:ext>
     </p:extLst>
   </p:cSld>
@@ -2159,7 +2159,7 @@
           <p:cNvPr id="2" name="标题 1">
             <a:extLst>
               <a:ext uri="{FF2B5EF4-FFF2-40B4-BE49-F238E27FC236}">
-                <a16:creationId xmlns:a16="http://schemas.microsoft.com/office/drawing/2014/main" id="{4340B43A-6C98-F698-242F-274F7F9580E7}"/>
+                <a16:creationId xmlns:a16="http://schemas.microsoft.com/office/drawing/2014/main" id="{97ABFB37-4913-436B-D909-66634BC7EDCC}"/>
               </a:ext>
             </a:extLst>
           </p:cNvPr>
@@ -2196,7 +2196,7 @@
           <p:cNvPr id="3" name="内容占位符 2">
             <a:extLst>
               <a:ext uri="{FF2B5EF4-FFF2-40B4-BE49-F238E27FC236}">
-                <a16:creationId xmlns:a16="http://schemas.microsoft.com/office/drawing/2014/main" id="{C00DABAA-E15E-3379-015D-4B62602A6F41}"/>
+                <a16:creationId xmlns:a16="http://schemas.microsoft.com/office/drawing/2014/main" id="{1FE75FC7-8B1A-3220-F5AD-3B98C1F68624}"/>
               </a:ext>
             </a:extLst>
           </p:cNvPr>
@@ -2286,7 +2286,7 @@
           <p:cNvPr id="4" name="文本占位符 3">
             <a:extLst>
               <a:ext uri="{FF2B5EF4-FFF2-40B4-BE49-F238E27FC236}">
-                <a16:creationId xmlns:a16="http://schemas.microsoft.com/office/drawing/2014/main" id="{3C421CF8-C8BE-350B-84A8-42526C1C1820}"/>
+                <a16:creationId xmlns:a16="http://schemas.microsoft.com/office/drawing/2014/main" id="{5C8A5837-3BA2-72D4-BCDD-C75EDEAEB1BF}"/>
               </a:ext>
             </a:extLst>
           </p:cNvPr>
@@ -2357,7 +2357,7 @@
           <p:cNvPr id="5" name="日期占位符 4">
             <a:extLst>
               <a:ext uri="{FF2B5EF4-FFF2-40B4-BE49-F238E27FC236}">
-                <a16:creationId xmlns:a16="http://schemas.microsoft.com/office/drawing/2014/main" id="{1BACC9C2-B1FF-C8AA-1023-F47601F604FF}"/>
+                <a16:creationId xmlns:a16="http://schemas.microsoft.com/office/drawing/2014/main" id="{563E43B6-163A-4916-4414-BAE6563762D9}"/>
               </a:ext>
             </a:extLst>
           </p:cNvPr>
@@ -2373,7 +2373,7 @@
           <a:bodyPr/>
           <a:lstStyle/>
           <a:p>
-            <a:fld id="{2B5DCF95-CA86-490F-8630-5AB99ACEB8EA}" type="datetimeFigureOut">
+            <a:fld id="{1D0E913C-1351-4149-9EFB-E8E9E33DC945}" type="datetimeFigureOut">
               <a:rPr lang="zh-CN" altLang="en-US" smtClean="0"/>
               <a:t>2024/3/10</a:t>
             </a:fld>
@@ -2386,7 +2386,7 @@
           <p:cNvPr id="6" name="页脚占位符 5">
             <a:extLst>
               <a:ext uri="{FF2B5EF4-FFF2-40B4-BE49-F238E27FC236}">
-                <a16:creationId xmlns:a16="http://schemas.microsoft.com/office/drawing/2014/main" id="{B1B8C500-AA14-97D6-2F73-BE7ADE9681E2}"/>
+                <a16:creationId xmlns:a16="http://schemas.microsoft.com/office/drawing/2014/main" id="{25D4C8CE-459C-1F60-88FE-232FE01B59C5}"/>
               </a:ext>
             </a:extLst>
           </p:cNvPr>
@@ -2411,7 +2411,7 @@
           <p:cNvPr id="7" name="灯片编号占位符 6">
             <a:extLst>
               <a:ext uri="{FF2B5EF4-FFF2-40B4-BE49-F238E27FC236}">
-                <a16:creationId xmlns:a16="http://schemas.microsoft.com/office/drawing/2014/main" id="{F9AACBD2-51B4-6F32-97BD-2306A732EF31}"/>
+                <a16:creationId xmlns:a16="http://schemas.microsoft.com/office/drawing/2014/main" id="{0C79B089-C032-214C-300A-8076E859EFF9}"/>
               </a:ext>
             </a:extLst>
           </p:cNvPr>
@@ -2427,7 +2427,7 @@
           <a:bodyPr/>
           <a:lstStyle/>
           <a:p>
-            <a:fld id="{8ABDFFDF-F860-4325-85D7-A33B86E9ECEF}" type="slidenum">
+            <a:fld id="{F4B461D0-7128-485F-872F-B5EC2261DDAD}" type="slidenum">
               <a:rPr lang="zh-CN" altLang="en-US" smtClean="0"/>
               <a:t>‹#›</a:t>
             </a:fld>
@@ -2438,7 +2438,7 @@
     </p:spTree>
     <p:extLst>
       <p:ext uri="{BB962C8B-B14F-4D97-AF65-F5344CB8AC3E}">
-        <p14:creationId xmlns:p14="http://schemas.microsoft.com/office/powerpoint/2010/main" val="3216041646"/>
+        <p14:creationId xmlns:p14="http://schemas.microsoft.com/office/powerpoint/2010/main" val="987419028"/>
       </p:ext>
     </p:extLst>
   </p:cSld>
@@ -2470,7 +2470,7 @@
           <p:cNvPr id="2" name="标题 1">
             <a:extLst>
               <a:ext uri="{FF2B5EF4-FFF2-40B4-BE49-F238E27FC236}">
-                <a16:creationId xmlns:a16="http://schemas.microsoft.com/office/drawing/2014/main" id="{D4CB7CD3-8EB7-3747-72FA-4839AB0E67B6}"/>
+                <a16:creationId xmlns:a16="http://schemas.microsoft.com/office/drawing/2014/main" id="{D9CD9FB9-97FC-83C8-B2B2-180C17A3087B}"/>
               </a:ext>
             </a:extLst>
           </p:cNvPr>
@@ -2507,7 +2507,7 @@
           <p:cNvPr id="3" name="图片占位符 2">
             <a:extLst>
               <a:ext uri="{FF2B5EF4-FFF2-40B4-BE49-F238E27FC236}">
-                <a16:creationId xmlns:a16="http://schemas.microsoft.com/office/drawing/2014/main" id="{934C28B0-508A-1E56-95CD-1E7422F330DA}"/>
+                <a16:creationId xmlns:a16="http://schemas.microsoft.com/office/drawing/2014/main" id="{D9B0ADB5-EC32-0871-7187-5BA4A5993D5F}"/>
               </a:ext>
             </a:extLst>
           </p:cNvPr>
@@ -2574,7 +2574,7 @@
           <p:cNvPr id="4" name="文本占位符 3">
             <a:extLst>
               <a:ext uri="{FF2B5EF4-FFF2-40B4-BE49-F238E27FC236}">
-                <a16:creationId xmlns:a16="http://schemas.microsoft.com/office/drawing/2014/main" id="{A2BB0DDF-E97E-5F8A-BED4-947203C4366C}"/>
+                <a16:creationId xmlns:a16="http://schemas.microsoft.com/office/drawing/2014/main" id="{80A00034-8365-EBCC-5D85-7599CF9524C4}"/>
               </a:ext>
             </a:extLst>
           </p:cNvPr>
@@ -2645,7 +2645,7 @@
           <p:cNvPr id="5" name="日期占位符 4">
             <a:extLst>
               <a:ext uri="{FF2B5EF4-FFF2-40B4-BE49-F238E27FC236}">
-                <a16:creationId xmlns:a16="http://schemas.microsoft.com/office/drawing/2014/main" id="{77F6879F-1307-5968-0FAD-A6703AAF8C6D}"/>
+                <a16:creationId xmlns:a16="http://schemas.microsoft.com/office/drawing/2014/main" id="{9E54BDEC-E83A-8354-9DEC-93E24EB3A263}"/>
               </a:ext>
             </a:extLst>
           </p:cNvPr>
@@ -2661,7 +2661,7 @@
           <a:bodyPr/>
           <a:lstStyle/>
           <a:p>
-            <a:fld id="{2B5DCF95-CA86-490F-8630-5AB99ACEB8EA}" type="datetimeFigureOut">
+            <a:fld id="{1D0E913C-1351-4149-9EFB-E8E9E33DC945}" type="datetimeFigureOut">
               <a:rPr lang="zh-CN" altLang="en-US" smtClean="0"/>
               <a:t>2024/3/10</a:t>
             </a:fld>
@@ -2674,7 +2674,7 @@
           <p:cNvPr id="6" name="页脚占位符 5">
             <a:extLst>
               <a:ext uri="{FF2B5EF4-FFF2-40B4-BE49-F238E27FC236}">
-                <a16:creationId xmlns:a16="http://schemas.microsoft.com/office/drawing/2014/main" id="{8DC8CD59-59BF-F6C9-9A37-EA3F0B1BAE21}"/>
+                <a16:creationId xmlns:a16="http://schemas.microsoft.com/office/drawing/2014/main" id="{B9A22FEF-6355-F36E-1557-48D41FA59ECF}"/>
               </a:ext>
             </a:extLst>
           </p:cNvPr>
@@ -2699,7 +2699,7 @@
           <p:cNvPr id="7" name="灯片编号占位符 6">
             <a:extLst>
               <a:ext uri="{FF2B5EF4-FFF2-40B4-BE49-F238E27FC236}">
-                <a16:creationId xmlns:a16="http://schemas.microsoft.com/office/drawing/2014/main" id="{36DD9123-A075-58B5-964F-0D4DD142A1F6}"/>
+                <a16:creationId xmlns:a16="http://schemas.microsoft.com/office/drawing/2014/main" id="{8121D9AC-7AC7-8040-6CD2-2FC8DC76E1BD}"/>
               </a:ext>
             </a:extLst>
           </p:cNvPr>
@@ -2715,7 +2715,7 @@
           <a:bodyPr/>
           <a:lstStyle/>
           <a:p>
-            <a:fld id="{8ABDFFDF-F860-4325-85D7-A33B86E9ECEF}" type="slidenum">
+            <a:fld id="{F4B461D0-7128-485F-872F-B5EC2261DDAD}" type="slidenum">
               <a:rPr lang="zh-CN" altLang="en-US" smtClean="0"/>
               <a:t>‹#›</a:t>
             </a:fld>
@@ -2726,7 +2726,7 @@
     </p:spTree>
     <p:extLst>
       <p:ext uri="{BB962C8B-B14F-4D97-AF65-F5344CB8AC3E}">
-        <p14:creationId xmlns:p14="http://schemas.microsoft.com/office/powerpoint/2010/main" val="2046225384"/>
+        <p14:creationId xmlns:p14="http://schemas.microsoft.com/office/powerpoint/2010/main" val="3648681411"/>
       </p:ext>
     </p:extLst>
   </p:cSld>
@@ -2763,7 +2763,7 @@
           <p:cNvPr id="2" name="标题占位符 1">
             <a:extLst>
               <a:ext uri="{FF2B5EF4-FFF2-40B4-BE49-F238E27FC236}">
-                <a16:creationId xmlns:a16="http://schemas.microsoft.com/office/drawing/2014/main" id="{A22E6C60-FE85-218E-DD5D-A83A3BEAEFE3}"/>
+                <a16:creationId xmlns:a16="http://schemas.microsoft.com/office/drawing/2014/main" id="{06822A5C-0891-5997-1E84-2D96E244BA9E}"/>
               </a:ext>
             </a:extLst>
           </p:cNvPr>
@@ -2801,7 +2801,7 @@
           <p:cNvPr id="3" name="文本占位符 2">
             <a:extLst>
               <a:ext uri="{FF2B5EF4-FFF2-40B4-BE49-F238E27FC236}">
-                <a16:creationId xmlns:a16="http://schemas.microsoft.com/office/drawing/2014/main" id="{8F9E5C58-178A-A720-A175-C90F9D370021}"/>
+                <a16:creationId xmlns:a16="http://schemas.microsoft.com/office/drawing/2014/main" id="{072B710C-535A-2697-5E87-75C801738278}"/>
               </a:ext>
             </a:extLst>
           </p:cNvPr>
@@ -2868,7 +2868,7 @@
           <p:cNvPr id="4" name="日期占位符 3">
             <a:extLst>
               <a:ext uri="{FF2B5EF4-FFF2-40B4-BE49-F238E27FC236}">
-                <a16:creationId xmlns:a16="http://schemas.microsoft.com/office/drawing/2014/main" id="{5FC8EB29-BC48-251B-9705-1B4B9D3525E9}"/>
+                <a16:creationId xmlns:a16="http://schemas.microsoft.com/office/drawing/2014/main" id="{9D475CE5-AFF8-0C69-DFC2-FD4ABE9B144B}"/>
               </a:ext>
             </a:extLst>
           </p:cNvPr>
@@ -2902,7 +2902,7 @@
             </a:lvl1pPr>
           </a:lstStyle>
           <a:p>
-            <a:fld id="{2B5DCF95-CA86-490F-8630-5AB99ACEB8EA}" type="datetimeFigureOut">
+            <a:fld id="{1D0E913C-1351-4149-9EFB-E8E9E33DC945}" type="datetimeFigureOut">
               <a:rPr lang="zh-CN" altLang="en-US" smtClean="0"/>
               <a:t>2024/3/10</a:t>
             </a:fld>
@@ -2915,7 +2915,7 @@
           <p:cNvPr id="5" name="页脚占位符 4">
             <a:extLst>
               <a:ext uri="{FF2B5EF4-FFF2-40B4-BE49-F238E27FC236}">
-                <a16:creationId xmlns:a16="http://schemas.microsoft.com/office/drawing/2014/main" id="{C7D42D04-C76D-9005-E305-C46034C571E8}"/>
+                <a16:creationId xmlns:a16="http://schemas.microsoft.com/office/drawing/2014/main" id="{877E5DF7-216F-8CB0-DE38-99ECEE9CE689}"/>
               </a:ext>
             </a:extLst>
           </p:cNvPr>
@@ -2958,7 +2958,7 @@
           <p:cNvPr id="6" name="灯片编号占位符 5">
             <a:extLst>
               <a:ext uri="{FF2B5EF4-FFF2-40B4-BE49-F238E27FC236}">
-                <a16:creationId xmlns:a16="http://schemas.microsoft.com/office/drawing/2014/main" id="{C42EB60C-C599-03D0-5A3D-2D5E66AC9CDA}"/>
+                <a16:creationId xmlns:a16="http://schemas.microsoft.com/office/drawing/2014/main" id="{6C05179C-58E8-C5F8-6A40-8F6242D83377}"/>
               </a:ext>
             </a:extLst>
           </p:cNvPr>
@@ -2992,7 +2992,7 @@
             </a:lvl1pPr>
           </a:lstStyle>
           <a:p>
-            <a:fld id="{8ABDFFDF-F860-4325-85D7-A33B86E9ECEF}" type="slidenum">
+            <a:fld id="{F4B461D0-7128-485F-872F-B5EC2261DDAD}" type="slidenum">
               <a:rPr lang="zh-CN" altLang="en-US" smtClean="0"/>
               <a:t>‹#›</a:t>
             </a:fld>
@@ -3003,7 +3003,7 @@
     </p:spTree>
     <p:extLst>
       <p:ext uri="{BB962C8B-B14F-4D97-AF65-F5344CB8AC3E}">
-        <p14:creationId xmlns:p14="http://schemas.microsoft.com/office/powerpoint/2010/main" val="1832767475"/>
+        <p14:creationId xmlns:p14="http://schemas.microsoft.com/office/powerpoint/2010/main" val="4136080397"/>
       </p:ext>
     </p:extLst>
   </p:cSld>
@@ -3323,7 +3323,7 @@
       </p:grpSpPr>
       <p:pic>
         <p:nvPicPr>
-          <p:cNvPr id="720898" name="Picture 2" descr="703"/>
+          <p:cNvPr id="721922" name="Picture 2" descr="704"/>
           <p:cNvPicPr>
             <a:picLocks noChangeAspect="1" noChangeArrowheads="1"/>
           </p:cNvPicPr>
@@ -3344,8 +3344,8 @@
         </p:blipFill>
         <p:spPr bwMode="auto">
           <a:xfrm>
-            <a:off x="1524000" y="0"/>
-            <a:ext cx="9144000" cy="6858000"/>
+            <a:off x="1524000" y="1"/>
+            <a:ext cx="9144000" cy="6238875"/>
           </a:xfrm>
           <a:prstGeom prst="rect">
             <a:avLst/>
